--- a/GENEActiv guide_27JUN25_IJT.pptx
+++ b/GENEActiv guide_27JUN25_IJT.pptx
@@ -111,7 +111,81 @@
       </a:defRPr>
     </a:lvl9pPr>
   </p:defaultTextStyle>
+  <p:extLst>
+    <p:ext uri="{EFAFB233-063F-42B5-8137-9DF3F51BA10A}">
+      <p15:sldGuideLst xmlns:p15="http://schemas.microsoft.com/office/powerpoint/2012/main"/>
+    </p:ext>
+  </p:extLst>
 </p:presentation>
+</file>
+
+<file path=ppt/changesInfos/changesInfo1.xml><?xml version="1.0" encoding="utf-8"?>
+<pc:chgInfo xmlns:a="http://schemas.openxmlformats.org/drawingml/2006/main" xmlns:r="http://schemas.openxmlformats.org/officeDocument/2006/relationships" xmlns:ac="http://schemas.microsoft.com/office/drawing/2013/main/command" xmlns:pc="http://schemas.microsoft.com/office/powerpoint/2013/main/command">
+  <pc:docChgLst>
+    <pc:chgData name="Isaiah Ting" userId="74825239-7b6e-4484-9739-ea72b1edfa79" providerId="ADAL" clId="{29C798A7-A461-49DA-8F79-90DBBDF23715}"/>
+    <pc:docChg chg="custSel modSld">
+      <pc:chgData name="Isaiah Ting" userId="74825239-7b6e-4484-9739-ea72b1edfa79" providerId="ADAL" clId="{29C798A7-A461-49DA-8F79-90DBBDF23715}" dt="2025-06-27T14:47:09.909" v="46" actId="14100"/>
+      <pc:docMkLst>
+        <pc:docMk/>
+      </pc:docMkLst>
+      <pc:sldChg chg="addSp delSp modSp mod">
+        <pc:chgData name="Isaiah Ting" userId="74825239-7b6e-4484-9739-ea72b1edfa79" providerId="ADAL" clId="{29C798A7-A461-49DA-8F79-90DBBDF23715}" dt="2025-06-27T14:47:09.909" v="46" actId="14100"/>
+        <pc:sldMkLst>
+          <pc:docMk/>
+          <pc:sldMk cId="2137267227" sldId="258"/>
+        </pc:sldMkLst>
+        <pc:spChg chg="mod">
+          <ac:chgData name="Isaiah Ting" userId="74825239-7b6e-4484-9739-ea72b1edfa79" providerId="ADAL" clId="{29C798A7-A461-49DA-8F79-90DBBDF23715}" dt="2025-06-27T14:47:09.909" v="46" actId="14100"/>
+          <ac:spMkLst>
+            <pc:docMk/>
+            <pc:sldMk cId="2137267227" sldId="258"/>
+            <ac:spMk id="13" creationId="{480D8B59-185A-0BCE-D029-DC6A5D33F0B8}"/>
+          </ac:spMkLst>
+        </pc:spChg>
+        <pc:spChg chg="mod">
+          <ac:chgData name="Isaiah Ting" userId="74825239-7b6e-4484-9739-ea72b1edfa79" providerId="ADAL" clId="{29C798A7-A461-49DA-8F79-90DBBDF23715}" dt="2025-06-27T14:47:06.818" v="45" actId="14100"/>
+          <ac:spMkLst>
+            <pc:docMk/>
+            <pc:sldMk cId="2137267227" sldId="258"/>
+            <ac:spMk id="19" creationId="{18F7989F-903C-9E0E-8BFD-CF976A2B52C0}"/>
+          </ac:spMkLst>
+        </pc:spChg>
+        <pc:picChg chg="del">
+          <ac:chgData name="Isaiah Ting" userId="74825239-7b6e-4484-9739-ea72b1edfa79" providerId="ADAL" clId="{29C798A7-A461-49DA-8F79-90DBBDF23715}" dt="2025-06-27T14:46:08.524" v="0" actId="478"/>
+          <ac:picMkLst>
+            <pc:docMk/>
+            <pc:sldMk cId="2137267227" sldId="258"/>
+            <ac:picMk id="3" creationId="{526E6780-D4D0-EDFC-989A-70B5C23BE5CA}"/>
+          </ac:picMkLst>
+        </pc:picChg>
+        <pc:picChg chg="add mod ord">
+          <ac:chgData name="Isaiah Ting" userId="74825239-7b6e-4484-9739-ea72b1edfa79" providerId="ADAL" clId="{29C798A7-A461-49DA-8F79-90DBBDF23715}" dt="2025-06-27T14:46:47.503" v="5" actId="1076"/>
+          <ac:picMkLst>
+            <pc:docMk/>
+            <pc:sldMk cId="2137267227" sldId="258"/>
+            <ac:picMk id="6" creationId="{268A44E8-2153-F60B-6D19-3A32C5351608}"/>
+          </ac:picMkLst>
+        </pc:picChg>
+        <pc:cxnChg chg="mod">
+          <ac:chgData name="Isaiah Ting" userId="74825239-7b6e-4484-9739-ea72b1edfa79" providerId="ADAL" clId="{29C798A7-A461-49DA-8F79-90DBBDF23715}" dt="2025-06-27T14:47:09.909" v="46" actId="14100"/>
+          <ac:cxnSpMkLst>
+            <pc:docMk/>
+            <pc:sldMk cId="2137267227" sldId="258"/>
+            <ac:cxnSpMk id="15" creationId="{5B397DE1-35E5-EC53-D201-925032CE03E0}"/>
+          </ac:cxnSpMkLst>
+        </pc:cxnChg>
+        <pc:cxnChg chg="mod">
+          <ac:chgData name="Isaiah Ting" userId="74825239-7b6e-4484-9739-ea72b1edfa79" providerId="ADAL" clId="{29C798A7-A461-49DA-8F79-90DBBDF23715}" dt="2025-06-27T14:47:06.818" v="45" actId="14100"/>
+          <ac:cxnSpMkLst>
+            <pc:docMk/>
+            <pc:sldMk cId="2137267227" sldId="258"/>
+            <ac:cxnSpMk id="21" creationId="{520F1520-9412-65C5-953F-8C50841B3C31}"/>
+          </ac:cxnSpMkLst>
+        </pc:cxnChg>
+      </pc:sldChg>
+    </pc:docChg>
+  </pc:docChgLst>
+</pc:chgInfo>
 </file>
 
 <file path=ppt/slideLayouts/slideLayout1.xml><?xml version="1.0" encoding="utf-8"?>
@@ -3543,10 +3617,10 @@
       </p:grpSpPr>
       <p:pic>
         <p:nvPicPr>
-          <p:cNvPr id="3" name="Picture 2">
-            <a:extLst>
-              <a:ext uri="{FF2B5EF4-FFF2-40B4-BE49-F238E27FC236}">
-                <a16:creationId xmlns:a16="http://schemas.microsoft.com/office/drawing/2014/main" id="{526E6780-D4D0-EDFC-989A-70B5C23BE5CA}"/>
+          <p:cNvPr id="6" name="Picture 5">
+            <a:extLst>
+              <a:ext uri="{FF2B5EF4-FFF2-40B4-BE49-F238E27FC236}">
+                <a16:creationId xmlns:a16="http://schemas.microsoft.com/office/drawing/2014/main" id="{268A44E8-2153-F60B-6D19-3A32C5351608}"/>
               </a:ext>
             </a:extLst>
           </p:cNvPr>
@@ -3563,8 +3637,8 @@
         </p:blipFill>
         <p:spPr>
           <a:xfrm>
-            <a:off x="393844" y="954072"/>
-            <a:ext cx="8843992" cy="4730400"/>
+            <a:off x="458350" y="833724"/>
+            <a:ext cx="8905106" cy="4730400"/>
           </a:xfrm>
           <a:prstGeom prst="rect">
             <a:avLst/>
@@ -3765,7 +3839,7 @@
         <p:spPr>
           <a:xfrm>
             <a:off x="9665208" y="1673352"/>
-            <a:ext cx="2884572" cy="369332"/>
+            <a:ext cx="2423097" cy="646331"/>
           </a:xfrm>
           <a:prstGeom prst="rect">
             <a:avLst/>
@@ -3773,7 +3847,7 @@
           <a:noFill/>
         </p:spPr>
         <p:txBody>
-          <a:bodyPr wrap="none" rtlCol="0">
+          <a:bodyPr wrap="square" rtlCol="0">
             <a:spAutoFit/>
           </a:bodyPr>
           <a:lstStyle/>
@@ -3795,15 +3869,16 @@
             </a:extLst>
           </p:cNvPr>
           <p:cNvCxnSpPr>
+            <a:cxnSpLocks/>
             <a:stCxn id="13" idx="1"/>
             <a:endCxn id="12" idx="3"/>
           </p:cNvCxnSpPr>
           <p:nvPr/>
         </p:nvCxnSpPr>
         <p:spPr>
-          <a:xfrm flipH="1">
-            <a:off x="9237836" y="1858018"/>
-            <a:ext cx="427372" cy="5834"/>
+          <a:xfrm flipH="1" flipV="1">
+            <a:off x="9237836" y="1863852"/>
+            <a:ext cx="427372" cy="132666"/>
           </a:xfrm>
           <a:prstGeom prst="line">
             <a:avLst/>
@@ -3891,7 +3966,7 @@
         <p:spPr>
           <a:xfrm>
             <a:off x="9665208" y="2419272"/>
-            <a:ext cx="2706624" cy="1200329"/>
+            <a:ext cx="2526792" cy="1477328"/>
           </a:xfrm>
           <a:prstGeom prst="rect">
             <a:avLst/>
@@ -3906,7 +3981,7 @@
           <a:p>
             <a:r>
               <a:rPr lang="en-GB" dirty="0"/>
-              <a:t>4. Select “Raw data csv” and ensure it’s the correct “Output folder” and “File Name”</a:t>
+              <a:t>4. Select “Epoch csv” and your desired Epoch period and ensure it’s the correct “Output folder” and “File Name”</a:t>
             </a:r>
           </a:p>
         </p:txBody>
@@ -3921,6 +3996,7 @@
             </a:extLst>
           </p:cNvPr>
           <p:cNvCxnSpPr>
+            <a:cxnSpLocks/>
             <a:stCxn id="17" idx="3"/>
             <a:endCxn id="19" idx="1"/>
           </p:cNvCxnSpPr>
@@ -3929,7 +4005,7 @@
         <p:spPr>
           <a:xfrm>
             <a:off x="9237836" y="3019437"/>
-            <a:ext cx="427372" cy="0"/>
+            <a:ext cx="427372" cy="138499"/>
           </a:xfrm>
           <a:prstGeom prst="line">
             <a:avLst/>
